--- a/slides/da2024-lecture-1.pptx
+++ b/slides/da2024-lecture-1.pptx
@@ -262,7 +262,7 @@
           <a:p>
             <a:fld id="{24EFFC9C-04E4-E646-9E5F-B16BB383ECF2}" type="datetimeFigureOut">
               <a:rPr lang="en-US" smtClean="0"/>
-              <a:t>10/22/24</a:t>
+              <a:t>11/15/24</a:t>
             </a:fld>
             <a:endParaRPr lang="en-US"/>
           </a:p>
@@ -439,7 +439,7 @@
           <a:p>
             <a:fld id="{71795A92-54D0-5E4B-A08D-97789E42C8EA}" type="datetimeFigureOut">
               <a:rPr lang="en-US" smtClean="0"/>
-              <a:t>10/22/24</a:t>
+              <a:t>11/15/24</a:t>
             </a:fld>
             <a:endParaRPr lang="en-US"/>
           </a:p>
@@ -1217,7 +1217,7 @@
           <a:p>
             <a:fld id="{D1D074E6-BC95-7A40-8145-5D6390B81855}" type="datetimeFigureOut">
               <a:rPr lang="en-US" smtClean="0"/>
-              <a:t>10/22/24</a:t>
+              <a:t>11/15/24</a:t>
             </a:fld>
             <a:endParaRPr lang="en-US"/>
           </a:p>
@@ -1415,7 +1415,7 @@
           <a:p>
             <a:fld id="{D1D074E6-BC95-7A40-8145-5D6390B81855}" type="datetimeFigureOut">
               <a:rPr lang="en-US" smtClean="0"/>
-              <a:t>10/22/24</a:t>
+              <a:t>11/15/24</a:t>
             </a:fld>
             <a:endParaRPr lang="en-US"/>
           </a:p>
@@ -1623,7 +1623,7 @@
           <a:p>
             <a:fld id="{D1D074E6-BC95-7A40-8145-5D6390B81855}" type="datetimeFigureOut">
               <a:rPr lang="en-US" smtClean="0"/>
-              <a:t>10/22/24</a:t>
+              <a:t>11/15/24</a:t>
             </a:fld>
             <a:endParaRPr lang="en-US"/>
           </a:p>
@@ -1828,7 +1828,7 @@
           <a:p>
             <a:fld id="{D1D074E6-BC95-7A40-8145-5D6390B81855}" type="datetimeFigureOut">
               <a:rPr lang="en-US" smtClean="0"/>
-              <a:t>10/22/24</a:t>
+              <a:t>11/15/24</a:t>
             </a:fld>
             <a:endParaRPr lang="en-US"/>
           </a:p>
@@ -1981,7 +1981,7 @@
           <a:p>
             <a:fld id="{D1D074E6-BC95-7A40-8145-5D6390B81855}" type="datetimeFigureOut">
               <a:rPr lang="en-US" smtClean="0"/>
-              <a:t>10/22/24</a:t>
+              <a:t>11/15/24</a:t>
             </a:fld>
             <a:endParaRPr lang="en-US"/>
           </a:p>
@@ -2246,7 +2246,7 @@
           <a:p>
             <a:fld id="{D1D074E6-BC95-7A40-8145-5D6390B81855}" type="datetimeFigureOut">
               <a:rPr lang="en-US" smtClean="0"/>
-              <a:t>10/22/24</a:t>
+              <a:t>11/15/24</a:t>
             </a:fld>
             <a:endParaRPr lang="en-US"/>
           </a:p>
@@ -2658,7 +2658,7 @@
           <a:p>
             <a:fld id="{D1D074E6-BC95-7A40-8145-5D6390B81855}" type="datetimeFigureOut">
               <a:rPr lang="en-US" smtClean="0"/>
-              <a:t>10/22/24</a:t>
+              <a:t>11/15/24</a:t>
             </a:fld>
             <a:endParaRPr lang="en-US"/>
           </a:p>
@@ -2799,7 +2799,7 @@
           <a:p>
             <a:fld id="{D1D074E6-BC95-7A40-8145-5D6390B81855}" type="datetimeFigureOut">
               <a:rPr lang="en-US" smtClean="0"/>
-              <a:t>10/22/24</a:t>
+              <a:t>11/15/24</a:t>
             </a:fld>
             <a:endParaRPr lang="en-US"/>
           </a:p>
@@ -2912,7 +2912,7 @@
           <a:p>
             <a:fld id="{D1D074E6-BC95-7A40-8145-5D6390B81855}" type="datetimeFigureOut">
               <a:rPr lang="en-US" smtClean="0"/>
-              <a:t>10/22/24</a:t>
+              <a:t>11/15/24</a:t>
             </a:fld>
             <a:endParaRPr lang="en-US"/>
           </a:p>
@@ -3223,7 +3223,7 @@
           <a:p>
             <a:fld id="{D1D074E6-BC95-7A40-8145-5D6390B81855}" type="datetimeFigureOut">
               <a:rPr lang="en-US" smtClean="0"/>
-              <a:t>10/22/24</a:t>
+              <a:t>11/15/24</a:t>
             </a:fld>
             <a:endParaRPr lang="en-US"/>
           </a:p>
@@ -3511,7 +3511,7 @@
           <a:p>
             <a:fld id="{D1D074E6-BC95-7A40-8145-5D6390B81855}" type="datetimeFigureOut">
               <a:rPr lang="en-US" smtClean="0"/>
-              <a:t>10/22/24</a:t>
+              <a:t>11/15/24</a:t>
             </a:fld>
             <a:endParaRPr lang="en-US"/>
           </a:p>
@@ -3752,7 +3752,7 @@
           <a:p>
             <a:fld id="{D1D074E6-BC95-7A40-8145-5D6390B81855}" type="datetimeFigureOut">
               <a:rPr lang="en-US" smtClean="0"/>
-              <a:t>10/22/24</a:t>
+              <a:t>11/15/24</a:t>
             </a:fld>
             <a:endParaRPr lang="en-US"/>
           </a:p>
@@ -4915,14 +4915,14 @@
             <p:ph idx="1"/>
             <p:extLst>
               <p:ext uri="{D42A27DB-BD31-4B8C-83A1-F6EECF244321}">
-                <p14:modId xmlns:p14="http://schemas.microsoft.com/office/powerpoint/2010/main" val="3005882792"/>
+                <p14:modId xmlns:p14="http://schemas.microsoft.com/office/powerpoint/2010/main" val="1676486172"/>
               </p:ext>
             </p:extLst>
           </p:nvPr>
         </p:nvGraphicFramePr>
         <p:xfrm>
           <a:off x="523714" y="683260"/>
-          <a:ext cx="11144571" cy="5491480"/>
+          <a:ext cx="10072691" cy="5491480"/>
         </p:xfrm>
         <a:graphic>
           <a:graphicData uri="http://schemas.openxmlformats.org/drawingml/2006/table">
@@ -5001,13 +5001,6 @@
                     </a:ext>
                   </a:extLst>
                 </a:gridCol>
-                <a:gridCol w="1071880">
-                  <a:extLst>
-                    <a:ext uri="{9D8B030D-6E8A-4147-A177-3AD203B41FA5}">
-                      <a16:colId xmlns:a16="http://schemas.microsoft.com/office/drawing/2014/main" val="2677258066"/>
-                    </a:ext>
-                  </a:extLst>
-                </a:gridCol>
               </a:tblGrid>
               <a:tr h="370840">
                 <a:tc>
@@ -5153,22 +5146,6 @@
                           <a:latin typeface="Bernina Sans" pitchFamily="2" charset="77"/>
                         </a:rPr>
                         <a:t>Week 7</a:t>
-                      </a:r>
-                    </a:p>
-                  </a:txBody>
-                  <a:tcPr/>
-                </a:tc>
-                <a:tc>
-                  <a:txBody>
-                    <a:bodyPr/>
-                    <a:lstStyle/>
-                    <a:p>
-                      <a:pPr algn="ctr"/>
-                      <a:r>
-                        <a:rPr lang="en-US" b="0" i="0" dirty="0">
-                          <a:latin typeface="Bernina Sans" pitchFamily="2" charset="77"/>
-                        </a:rPr>
-                        <a:t>Week 8</a:t>
                       </a:r>
                     </a:p>
                   </a:txBody>
@@ -5358,19 +5335,6 @@
                   </a:txBody>
                   <a:tcPr/>
                 </a:tc>
-                <a:tc>
-                  <a:txBody>
-                    <a:bodyPr/>
-                    <a:lstStyle/>
-                    <a:p>
-                      <a:pPr algn="ctr"/>
-                      <a:endParaRPr lang="en-US" b="0" i="0" dirty="0">
-                        <a:latin typeface="Bernina Sans" pitchFamily="2" charset="77"/>
-                      </a:endParaRPr>
-                    </a:p>
-                  </a:txBody>
-                  <a:tcPr/>
-                </a:tc>
                 <a:extLst>
                   <a:ext uri="{0D108BD9-81ED-4DB2-BD59-A6C34878D82A}">
                     <a16:rowId xmlns:a16="http://schemas.microsoft.com/office/drawing/2014/main" val="913485868"/>
@@ -5536,19 +5500,6 @@
                   </a:txBody>
                   <a:tcPr/>
                 </a:tc>
-                <a:tc>
-                  <a:txBody>
-                    <a:bodyPr/>
-                    <a:lstStyle/>
-                    <a:p>
-                      <a:pPr algn="ctr"/>
-                      <a:endParaRPr lang="en-US" b="0" i="0" dirty="0">
-                        <a:latin typeface="Bernina Sans" pitchFamily="2" charset="77"/>
-                      </a:endParaRPr>
-                    </a:p>
-                  </a:txBody>
-                  <a:tcPr/>
-                </a:tc>
                 <a:extLst>
                   <a:ext uri="{0D108BD9-81ED-4DB2-BD59-A6C34878D82A}">
                     <a16:rowId xmlns:a16="http://schemas.microsoft.com/office/drawing/2014/main" val="188316531"/>
@@ -5733,19 +5684,6 @@
                   </a:txBody>
                   <a:tcPr/>
                 </a:tc>
-                <a:tc>
-                  <a:txBody>
-                    <a:bodyPr/>
-                    <a:lstStyle/>
-                    <a:p>
-                      <a:pPr algn="ctr"/>
-                      <a:endParaRPr lang="en-US" b="0" i="0" dirty="0">
-                        <a:latin typeface="Bernina Sans" pitchFamily="2" charset="77"/>
-                      </a:endParaRPr>
-                    </a:p>
-                  </a:txBody>
-                  <a:tcPr/>
-                </a:tc>
                 <a:extLst>
                   <a:ext uri="{0D108BD9-81ED-4DB2-BD59-A6C34878D82A}">
                     <a16:rowId xmlns:a16="http://schemas.microsoft.com/office/drawing/2014/main" val="3095766134"/>
@@ -5927,19 +5865,6 @@
                   </a:txBody>
                   <a:tcPr/>
                 </a:tc>
-                <a:tc>
-                  <a:txBody>
-                    <a:bodyPr/>
-                    <a:lstStyle/>
-                    <a:p>
-                      <a:pPr algn="ctr"/>
-                      <a:endParaRPr lang="en-US" b="0" i="0" dirty="0">
-                        <a:latin typeface="Bernina Sans" pitchFamily="2" charset="77"/>
-                      </a:endParaRPr>
-                    </a:p>
-                  </a:txBody>
-                  <a:tcPr/>
-                </a:tc>
                 <a:extLst>
                   <a:ext uri="{0D108BD9-81ED-4DB2-BD59-A6C34878D82A}">
                     <a16:rowId xmlns:a16="http://schemas.microsoft.com/office/drawing/2014/main" val="448366033"/>
@@ -6082,20 +6007,23 @@
                     <a:bodyPr/>
                     <a:lstStyle/>
                     <a:p>
-                      <a:pPr algn="ctr"/>
-                      <a:endParaRPr lang="en-US" b="0" i="0" dirty="0">
-                        <a:latin typeface="Bernina Sans" pitchFamily="2" charset="77"/>
-                      </a:endParaRPr>
-                    </a:p>
-                  </a:txBody>
-                  <a:tcPr/>
-                </a:tc>
-                <a:tc>
-                  <a:txBody>
-                    <a:bodyPr/>
-                    <a:lstStyle/>
-                    <a:p>
-                      <a:pPr algn="ctr"/>
+                      <a:pPr marL="0" marR="0" lvl="0" indent="0" algn="ctr" defTabSz="914400" rtl="0" eaLnBrk="1" fontAlgn="auto" latinLnBrk="0" hangingPunct="1">
+                        <a:lnSpc>
+                          <a:spcPct val="100000"/>
+                        </a:lnSpc>
+                        <a:spcBef>
+                          <a:spcPts val="0"/>
+                        </a:spcBef>
+                        <a:spcAft>
+                          <a:spcPts val="0"/>
+                        </a:spcAft>
+                        <a:buClrTx/>
+                        <a:buSzTx/>
+                        <a:buFontTx/>
+                        <a:buNone/>
+                        <a:tabLst/>
+                        <a:defRPr/>
+                      </a:pPr>
                       <a:r>
                         <a:rPr lang="en-US" b="0" i="0" dirty="0">
                           <a:latin typeface="Bernina Sans" pitchFamily="2" charset="77"/>
@@ -6276,19 +6204,6 @@
                   </a:txBody>
                   <a:tcPr/>
                 </a:tc>
-                <a:tc>
-                  <a:txBody>
-                    <a:bodyPr/>
-                    <a:lstStyle/>
-                    <a:p>
-                      <a:pPr algn="ctr"/>
-                      <a:endParaRPr lang="en-US" b="0" i="0" dirty="0">
-                        <a:latin typeface="Bernina Sans" pitchFamily="2" charset="77"/>
-                      </a:endParaRPr>
-                    </a:p>
-                  </a:txBody>
-                  <a:tcPr/>
-                </a:tc>
                 <a:extLst>
                   <a:ext uri="{0D108BD9-81ED-4DB2-BD59-A6C34878D82A}">
                     <a16:rowId xmlns:a16="http://schemas.microsoft.com/office/drawing/2014/main" val="1519507141"/>
@@ -6473,19 +6388,6 @@
                   </a:txBody>
                   <a:tcPr/>
                 </a:tc>
-                <a:tc>
-                  <a:txBody>
-                    <a:bodyPr/>
-                    <a:lstStyle/>
-                    <a:p>
-                      <a:pPr algn="ctr"/>
-                      <a:endParaRPr lang="en-US" b="0" i="0" dirty="0">
-                        <a:latin typeface="Bernina Sans" pitchFamily="2" charset="77"/>
-                      </a:endParaRPr>
-                    </a:p>
-                  </a:txBody>
-                  <a:tcPr/>
-                </a:tc>
                 <a:extLst>
                   <a:ext uri="{0D108BD9-81ED-4DB2-BD59-A6C34878D82A}">
                     <a16:rowId xmlns:a16="http://schemas.microsoft.com/office/drawing/2014/main" val="2386086734"/>
@@ -6650,19 +6552,6 @@
                         </a:rPr>
                         <a:t>12</a:t>
                       </a:r>
-                    </a:p>
-                  </a:txBody>
-                  <a:tcPr/>
-                </a:tc>
-                <a:tc>
-                  <a:txBody>
-                    <a:bodyPr/>
-                    <a:lstStyle/>
-                    <a:p>
-                      <a:pPr algn="ctr"/>
-                      <a:endParaRPr lang="en-US" b="0" i="0" dirty="0">
-                        <a:latin typeface="Bernina Sans" pitchFamily="2" charset="77"/>
-                      </a:endParaRPr>
                     </a:p>
                   </a:txBody>
                   <a:tcPr/>
@@ -6800,14 +6689,14 @@
             <p:ph idx="1"/>
             <p:extLst>
               <p:ext uri="{D42A27DB-BD31-4B8C-83A1-F6EECF244321}">
-                <p14:modId xmlns:p14="http://schemas.microsoft.com/office/powerpoint/2010/main" val="3311907280"/>
+                <p14:modId xmlns:p14="http://schemas.microsoft.com/office/powerpoint/2010/main" val="1851389159"/>
               </p:ext>
             </p:extLst>
           </p:nvPr>
         </p:nvGraphicFramePr>
         <p:xfrm>
           <a:off x="523714" y="683260"/>
-          <a:ext cx="11144571" cy="5491480"/>
+          <a:ext cx="10072691" cy="5491480"/>
         </p:xfrm>
         <a:graphic>
           <a:graphicData uri="http://schemas.openxmlformats.org/drawingml/2006/table">
@@ -6886,13 +6775,6 @@
                     </a:ext>
                   </a:extLst>
                 </a:gridCol>
-                <a:gridCol w="1071880">
-                  <a:extLst>
-                    <a:ext uri="{9D8B030D-6E8A-4147-A177-3AD203B41FA5}">
-                      <a16:colId xmlns:a16="http://schemas.microsoft.com/office/drawing/2014/main" val="2677258066"/>
-                    </a:ext>
-                  </a:extLst>
-                </a:gridCol>
               </a:tblGrid>
               <a:tr h="370840">
                 <a:tc>
@@ -7038,22 +6920,6 @@
                           <a:latin typeface="Bernina Sans" pitchFamily="2" charset="77"/>
                         </a:rPr>
                         <a:t>Week 7</a:t>
-                      </a:r>
-                    </a:p>
-                  </a:txBody>
-                  <a:tcPr/>
-                </a:tc>
-                <a:tc>
-                  <a:txBody>
-                    <a:bodyPr/>
-                    <a:lstStyle/>
-                    <a:p>
-                      <a:pPr algn="ctr"/>
-                      <a:r>
-                        <a:rPr lang="en-US" b="0" i="0" dirty="0">
-                          <a:latin typeface="Bernina Sans" pitchFamily="2" charset="77"/>
-                        </a:rPr>
-                        <a:t>Week 8</a:t>
                       </a:r>
                     </a:p>
                   </a:txBody>
@@ -7243,19 +7109,6 @@
                   </a:txBody>
                   <a:tcPr/>
                 </a:tc>
-                <a:tc>
-                  <a:txBody>
-                    <a:bodyPr/>
-                    <a:lstStyle/>
-                    <a:p>
-                      <a:pPr algn="ctr"/>
-                      <a:endParaRPr lang="en-US" b="0" i="0" dirty="0">
-                        <a:latin typeface="Bernina Sans" pitchFamily="2" charset="77"/>
-                      </a:endParaRPr>
-                    </a:p>
-                  </a:txBody>
-                  <a:tcPr/>
-                </a:tc>
                 <a:extLst>
                   <a:ext uri="{0D108BD9-81ED-4DB2-BD59-A6C34878D82A}">
                     <a16:rowId xmlns:a16="http://schemas.microsoft.com/office/drawing/2014/main" val="913485868"/>
@@ -7426,19 +7279,6 @@
                   </a:txBody>
                   <a:tcPr/>
                 </a:tc>
-                <a:tc>
-                  <a:txBody>
-                    <a:bodyPr/>
-                    <a:lstStyle/>
-                    <a:p>
-                      <a:pPr algn="ctr"/>
-                      <a:endParaRPr lang="en-US" b="0" i="0" dirty="0">
-                        <a:latin typeface="Bernina Sans" pitchFamily="2" charset="77"/>
-                      </a:endParaRPr>
-                    </a:p>
-                  </a:txBody>
-                  <a:tcPr/>
-                </a:tc>
                 <a:extLst>
                   <a:ext uri="{0D108BD9-81ED-4DB2-BD59-A6C34878D82A}">
                     <a16:rowId xmlns:a16="http://schemas.microsoft.com/office/drawing/2014/main" val="188316531"/>
@@ -7623,19 +7463,6 @@
                   </a:txBody>
                   <a:tcPr/>
                 </a:tc>
-                <a:tc>
-                  <a:txBody>
-                    <a:bodyPr/>
-                    <a:lstStyle/>
-                    <a:p>
-                      <a:pPr algn="ctr"/>
-                      <a:endParaRPr lang="en-US" b="0" i="0" dirty="0">
-                        <a:latin typeface="Bernina Sans" pitchFamily="2" charset="77"/>
-                      </a:endParaRPr>
-                    </a:p>
-                  </a:txBody>
-                  <a:tcPr/>
-                </a:tc>
                 <a:extLst>
                   <a:ext uri="{0D108BD9-81ED-4DB2-BD59-A6C34878D82A}">
                     <a16:rowId xmlns:a16="http://schemas.microsoft.com/office/drawing/2014/main" val="3095766134"/>
@@ -7817,19 +7644,6 @@
                   </a:txBody>
                   <a:tcPr/>
                 </a:tc>
-                <a:tc>
-                  <a:txBody>
-                    <a:bodyPr/>
-                    <a:lstStyle/>
-                    <a:p>
-                      <a:pPr algn="ctr"/>
-                      <a:endParaRPr lang="en-US" b="0" i="0" dirty="0">
-                        <a:latin typeface="Bernina Sans" pitchFamily="2" charset="77"/>
-                      </a:endParaRPr>
-                    </a:p>
-                  </a:txBody>
-                  <a:tcPr/>
-                </a:tc>
                 <a:extLst>
                   <a:ext uri="{0D108BD9-81ED-4DB2-BD59-A6C34878D82A}">
                     <a16:rowId xmlns:a16="http://schemas.microsoft.com/office/drawing/2014/main" val="448366033"/>
@@ -7972,20 +7786,23 @@
                     <a:bodyPr/>
                     <a:lstStyle/>
                     <a:p>
-                      <a:pPr algn="ctr"/>
-                      <a:endParaRPr lang="en-US" b="0" i="0" dirty="0">
-                        <a:latin typeface="Bernina Sans" pitchFamily="2" charset="77"/>
-                      </a:endParaRPr>
-                    </a:p>
-                  </a:txBody>
-                  <a:tcPr/>
-                </a:tc>
-                <a:tc>
-                  <a:txBody>
-                    <a:bodyPr/>
-                    <a:lstStyle/>
-                    <a:p>
-                      <a:pPr algn="ctr"/>
+                      <a:pPr marL="0" marR="0" lvl="0" indent="0" algn="ctr" defTabSz="914400" rtl="0" eaLnBrk="1" fontAlgn="auto" latinLnBrk="0" hangingPunct="1">
+                        <a:lnSpc>
+                          <a:spcPct val="100000"/>
+                        </a:lnSpc>
+                        <a:spcBef>
+                          <a:spcPts val="0"/>
+                        </a:spcBef>
+                        <a:spcAft>
+                          <a:spcPts val="0"/>
+                        </a:spcAft>
+                        <a:buClrTx/>
+                        <a:buSzTx/>
+                        <a:buFontTx/>
+                        <a:buNone/>
+                        <a:tabLst/>
+                        <a:defRPr/>
+                      </a:pPr>
                       <a:r>
                         <a:rPr lang="en-US" b="0" i="0" dirty="0">
                           <a:latin typeface="Bernina Sans" pitchFamily="2" charset="77"/>
@@ -8161,19 +7978,6 @@
                   </a:txBody>
                   <a:tcPr/>
                 </a:tc>
-                <a:tc>
-                  <a:txBody>
-                    <a:bodyPr/>
-                    <a:lstStyle/>
-                    <a:p>
-                      <a:pPr algn="ctr"/>
-                      <a:endParaRPr lang="en-US" b="0" i="0" dirty="0">
-                        <a:latin typeface="Bernina Sans" pitchFamily="2" charset="77"/>
-                      </a:endParaRPr>
-                    </a:p>
-                  </a:txBody>
-                  <a:tcPr/>
-                </a:tc>
                 <a:extLst>
                   <a:ext uri="{0D108BD9-81ED-4DB2-BD59-A6C34878D82A}">
                     <a16:rowId xmlns:a16="http://schemas.microsoft.com/office/drawing/2014/main" val="1519507141"/>
@@ -8358,19 +8162,6 @@
                   </a:txBody>
                   <a:tcPr/>
                 </a:tc>
-                <a:tc>
-                  <a:txBody>
-                    <a:bodyPr/>
-                    <a:lstStyle/>
-                    <a:p>
-                      <a:pPr algn="ctr"/>
-                      <a:endParaRPr lang="en-US" b="0" i="0" dirty="0">
-                        <a:latin typeface="Bernina Sans" pitchFamily="2" charset="77"/>
-                      </a:endParaRPr>
-                    </a:p>
-                  </a:txBody>
-                  <a:tcPr/>
-                </a:tc>
                 <a:extLst>
                   <a:ext uri="{0D108BD9-81ED-4DB2-BD59-A6C34878D82A}">
                     <a16:rowId xmlns:a16="http://schemas.microsoft.com/office/drawing/2014/main" val="2386086734"/>
@@ -8535,19 +8326,6 @@
                         </a:rPr>
                         <a:t>12</a:t>
                       </a:r>
-                    </a:p>
-                  </a:txBody>
-                  <a:tcPr/>
-                </a:tc>
-                <a:tc>
-                  <a:txBody>
-                    <a:bodyPr/>
-                    <a:lstStyle/>
-                    <a:p>
-                      <a:pPr algn="ctr"/>
-                      <a:endParaRPr lang="en-US" b="0" i="0" dirty="0">
-                        <a:latin typeface="Bernina Sans" pitchFamily="2" charset="77"/>
-                      </a:endParaRPr>
                     </a:p>
                   </a:txBody>
                   <a:tcPr/>
@@ -8685,14 +8463,14 @@
             <p:ph idx="1"/>
             <p:extLst>
               <p:ext uri="{D42A27DB-BD31-4B8C-83A1-F6EECF244321}">
-                <p14:modId xmlns:p14="http://schemas.microsoft.com/office/powerpoint/2010/main" val="2759541484"/>
+                <p14:modId xmlns:p14="http://schemas.microsoft.com/office/powerpoint/2010/main" val="4283177812"/>
               </p:ext>
             </p:extLst>
           </p:nvPr>
         </p:nvGraphicFramePr>
         <p:xfrm>
           <a:off x="523714" y="683260"/>
-          <a:ext cx="11144571" cy="5491480"/>
+          <a:ext cx="10072691" cy="5491480"/>
         </p:xfrm>
         <a:graphic>
           <a:graphicData uri="http://schemas.openxmlformats.org/drawingml/2006/table">
@@ -8771,13 +8549,6 @@
                     </a:ext>
                   </a:extLst>
                 </a:gridCol>
-                <a:gridCol w="1071880">
-                  <a:extLst>
-                    <a:ext uri="{9D8B030D-6E8A-4147-A177-3AD203B41FA5}">
-                      <a16:colId xmlns:a16="http://schemas.microsoft.com/office/drawing/2014/main" val="2677258066"/>
-                    </a:ext>
-                  </a:extLst>
-                </a:gridCol>
               </a:tblGrid>
               <a:tr h="370840">
                 <a:tc>
@@ -8923,22 +8694,6 @@
                           <a:latin typeface="Bernina Sans" pitchFamily="2" charset="77"/>
                         </a:rPr>
                         <a:t>Week 7</a:t>
-                      </a:r>
-                    </a:p>
-                  </a:txBody>
-                  <a:tcPr/>
-                </a:tc>
-                <a:tc>
-                  <a:txBody>
-                    <a:bodyPr/>
-                    <a:lstStyle/>
-                    <a:p>
-                      <a:pPr algn="ctr"/>
-                      <a:r>
-                        <a:rPr lang="en-US" b="0" i="0" dirty="0">
-                          <a:latin typeface="Bernina Sans" pitchFamily="2" charset="77"/>
-                        </a:rPr>
-                        <a:t>Week 8</a:t>
                       </a:r>
                     </a:p>
                   </a:txBody>
@@ -9128,19 +8883,6 @@
                   </a:txBody>
                   <a:tcPr/>
                 </a:tc>
-                <a:tc>
-                  <a:txBody>
-                    <a:bodyPr/>
-                    <a:lstStyle/>
-                    <a:p>
-                      <a:pPr algn="ctr"/>
-                      <a:endParaRPr lang="en-US" b="0" i="0" dirty="0">
-                        <a:latin typeface="Bernina Sans" pitchFamily="2" charset="77"/>
-                      </a:endParaRPr>
-                    </a:p>
-                  </a:txBody>
-                  <a:tcPr/>
-                </a:tc>
                 <a:extLst>
                   <a:ext uri="{0D108BD9-81ED-4DB2-BD59-A6C34878D82A}">
                     <a16:rowId xmlns:a16="http://schemas.microsoft.com/office/drawing/2014/main" val="913485868"/>
@@ -9311,19 +9053,6 @@
                   </a:txBody>
                   <a:tcPr/>
                 </a:tc>
-                <a:tc>
-                  <a:txBody>
-                    <a:bodyPr/>
-                    <a:lstStyle/>
-                    <a:p>
-                      <a:pPr algn="ctr"/>
-                      <a:endParaRPr lang="en-US" b="0" i="0" dirty="0">
-                        <a:latin typeface="Bernina Sans" pitchFamily="2" charset="77"/>
-                      </a:endParaRPr>
-                    </a:p>
-                  </a:txBody>
-                  <a:tcPr/>
-                </a:tc>
                 <a:extLst>
                   <a:ext uri="{0D108BD9-81ED-4DB2-BD59-A6C34878D82A}">
                     <a16:rowId xmlns:a16="http://schemas.microsoft.com/office/drawing/2014/main" val="188316531"/>
@@ -9508,19 +9237,6 @@
                   </a:txBody>
                   <a:tcPr/>
                 </a:tc>
-                <a:tc>
-                  <a:txBody>
-                    <a:bodyPr/>
-                    <a:lstStyle/>
-                    <a:p>
-                      <a:pPr algn="ctr"/>
-                      <a:endParaRPr lang="en-US" b="0" i="0" dirty="0">
-                        <a:latin typeface="Bernina Sans" pitchFamily="2" charset="77"/>
-                      </a:endParaRPr>
-                    </a:p>
-                  </a:txBody>
-                  <a:tcPr/>
-                </a:tc>
                 <a:extLst>
                   <a:ext uri="{0D108BD9-81ED-4DB2-BD59-A6C34878D82A}">
                     <a16:rowId xmlns:a16="http://schemas.microsoft.com/office/drawing/2014/main" val="3095766134"/>
@@ -9702,19 +9418,6 @@
                   </a:txBody>
                   <a:tcPr/>
                 </a:tc>
-                <a:tc>
-                  <a:txBody>
-                    <a:bodyPr/>
-                    <a:lstStyle/>
-                    <a:p>
-                      <a:pPr algn="ctr"/>
-                      <a:endParaRPr lang="en-US" b="0" i="0" dirty="0">
-                        <a:latin typeface="Bernina Sans" pitchFamily="2" charset="77"/>
-                      </a:endParaRPr>
-                    </a:p>
-                  </a:txBody>
-                  <a:tcPr/>
-                </a:tc>
                 <a:extLst>
                   <a:ext uri="{0D108BD9-81ED-4DB2-BD59-A6C34878D82A}">
                     <a16:rowId xmlns:a16="http://schemas.microsoft.com/office/drawing/2014/main" val="448366033"/>
@@ -9857,20 +9560,23 @@
                     <a:bodyPr/>
                     <a:lstStyle/>
                     <a:p>
-                      <a:pPr algn="ctr"/>
-                      <a:endParaRPr lang="en-US" b="0" i="0" dirty="0">
-                        <a:latin typeface="Bernina Sans" pitchFamily="2" charset="77"/>
-                      </a:endParaRPr>
-                    </a:p>
-                  </a:txBody>
-                  <a:tcPr/>
-                </a:tc>
-                <a:tc>
-                  <a:txBody>
-                    <a:bodyPr/>
-                    <a:lstStyle/>
-                    <a:p>
-                      <a:pPr algn="ctr"/>
+                      <a:pPr marL="0" marR="0" lvl="0" indent="0" algn="ctr" defTabSz="914400" rtl="0" eaLnBrk="1" fontAlgn="auto" latinLnBrk="0" hangingPunct="1">
+                        <a:lnSpc>
+                          <a:spcPct val="100000"/>
+                        </a:lnSpc>
+                        <a:spcBef>
+                          <a:spcPts val="0"/>
+                        </a:spcBef>
+                        <a:spcAft>
+                          <a:spcPts val="0"/>
+                        </a:spcAft>
+                        <a:buClrTx/>
+                        <a:buSzTx/>
+                        <a:buFontTx/>
+                        <a:buNone/>
+                        <a:tabLst/>
+                        <a:defRPr/>
+                      </a:pPr>
                       <a:r>
                         <a:rPr lang="en-US" b="0" i="0" dirty="0">
                           <a:latin typeface="Bernina Sans" pitchFamily="2" charset="77"/>
@@ -10046,19 +9752,6 @@
                   </a:txBody>
                   <a:tcPr/>
                 </a:tc>
-                <a:tc>
-                  <a:txBody>
-                    <a:bodyPr/>
-                    <a:lstStyle/>
-                    <a:p>
-                      <a:pPr algn="ctr"/>
-                      <a:endParaRPr lang="en-US" b="0" i="0" dirty="0">
-                        <a:latin typeface="Bernina Sans" pitchFamily="2" charset="77"/>
-                      </a:endParaRPr>
-                    </a:p>
-                  </a:txBody>
-                  <a:tcPr/>
-                </a:tc>
                 <a:extLst>
                   <a:ext uri="{0D108BD9-81ED-4DB2-BD59-A6C34878D82A}">
                     <a16:rowId xmlns:a16="http://schemas.microsoft.com/office/drawing/2014/main" val="1519507141"/>
@@ -10243,19 +9936,6 @@
                   </a:txBody>
                   <a:tcPr/>
                 </a:tc>
-                <a:tc>
-                  <a:txBody>
-                    <a:bodyPr/>
-                    <a:lstStyle/>
-                    <a:p>
-                      <a:pPr algn="ctr"/>
-                      <a:endParaRPr lang="en-US" b="0" i="0" dirty="0">
-                        <a:latin typeface="Bernina Sans" pitchFamily="2" charset="77"/>
-                      </a:endParaRPr>
-                    </a:p>
-                  </a:txBody>
-                  <a:tcPr/>
-                </a:tc>
                 <a:extLst>
                   <a:ext uri="{0D108BD9-81ED-4DB2-BD59-A6C34878D82A}">
                     <a16:rowId xmlns:a16="http://schemas.microsoft.com/office/drawing/2014/main" val="2386086734"/>
@@ -10420,19 +10100,6 @@
                         </a:rPr>
                         <a:t>12</a:t>
                       </a:r>
-                    </a:p>
-                  </a:txBody>
-                  <a:tcPr/>
-                </a:tc>
-                <a:tc>
-                  <a:txBody>
-                    <a:bodyPr/>
-                    <a:lstStyle/>
-                    <a:p>
-                      <a:pPr algn="ctr"/>
-                      <a:endParaRPr lang="en-US" b="0" i="0" dirty="0">
-                        <a:latin typeface="Bernina Sans" pitchFamily="2" charset="77"/>
-                      </a:endParaRPr>
                     </a:p>
                   </a:txBody>
                   <a:tcPr/>
@@ -10570,14 +10237,14 @@
             <p:ph idx="1"/>
             <p:extLst>
               <p:ext uri="{D42A27DB-BD31-4B8C-83A1-F6EECF244321}">
-                <p14:modId xmlns:p14="http://schemas.microsoft.com/office/powerpoint/2010/main" val="43594664"/>
+                <p14:modId xmlns:p14="http://schemas.microsoft.com/office/powerpoint/2010/main" val="3658516585"/>
               </p:ext>
             </p:extLst>
           </p:nvPr>
         </p:nvGraphicFramePr>
         <p:xfrm>
           <a:off x="523714" y="683260"/>
-          <a:ext cx="11144571" cy="5491480"/>
+          <a:ext cx="10072691" cy="5491480"/>
         </p:xfrm>
         <a:graphic>
           <a:graphicData uri="http://schemas.openxmlformats.org/drawingml/2006/table">
@@ -10656,13 +10323,6 @@
                     </a:ext>
                   </a:extLst>
                 </a:gridCol>
-                <a:gridCol w="1071880">
-                  <a:extLst>
-                    <a:ext uri="{9D8B030D-6E8A-4147-A177-3AD203B41FA5}">
-                      <a16:colId xmlns:a16="http://schemas.microsoft.com/office/drawing/2014/main" val="2677258066"/>
-                    </a:ext>
-                  </a:extLst>
-                </a:gridCol>
               </a:tblGrid>
               <a:tr h="370840">
                 <a:tc>
@@ -10808,22 +10468,6 @@
                           <a:latin typeface="Bernina Sans" pitchFamily="2" charset="77"/>
                         </a:rPr>
                         <a:t>Week 7</a:t>
-                      </a:r>
-                    </a:p>
-                  </a:txBody>
-                  <a:tcPr/>
-                </a:tc>
-                <a:tc>
-                  <a:txBody>
-                    <a:bodyPr/>
-                    <a:lstStyle/>
-                    <a:p>
-                      <a:pPr algn="ctr"/>
-                      <a:r>
-                        <a:rPr lang="en-US" b="0" i="0" dirty="0">
-                          <a:latin typeface="Bernina Sans" pitchFamily="2" charset="77"/>
-                        </a:rPr>
-                        <a:t>Week 8</a:t>
                       </a:r>
                     </a:p>
                   </a:txBody>
@@ -11013,19 +10657,6 @@
                   </a:txBody>
                   <a:tcPr/>
                 </a:tc>
-                <a:tc>
-                  <a:txBody>
-                    <a:bodyPr/>
-                    <a:lstStyle/>
-                    <a:p>
-                      <a:pPr algn="ctr"/>
-                      <a:endParaRPr lang="en-US" b="0" i="0" dirty="0">
-                        <a:latin typeface="Bernina Sans" pitchFamily="2" charset="77"/>
-                      </a:endParaRPr>
-                    </a:p>
-                  </a:txBody>
-                  <a:tcPr/>
-                </a:tc>
                 <a:extLst>
                   <a:ext uri="{0D108BD9-81ED-4DB2-BD59-A6C34878D82A}">
                     <a16:rowId xmlns:a16="http://schemas.microsoft.com/office/drawing/2014/main" val="913485868"/>
@@ -11191,19 +10822,6 @@
                   </a:txBody>
                   <a:tcPr/>
                 </a:tc>
-                <a:tc>
-                  <a:txBody>
-                    <a:bodyPr/>
-                    <a:lstStyle/>
-                    <a:p>
-                      <a:pPr algn="ctr"/>
-                      <a:endParaRPr lang="en-US" b="0" i="0" dirty="0">
-                        <a:latin typeface="Bernina Sans" pitchFamily="2" charset="77"/>
-                      </a:endParaRPr>
-                    </a:p>
-                  </a:txBody>
-                  <a:tcPr/>
-                </a:tc>
                 <a:extLst>
                   <a:ext uri="{0D108BD9-81ED-4DB2-BD59-A6C34878D82A}">
                     <a16:rowId xmlns:a16="http://schemas.microsoft.com/office/drawing/2014/main" val="188316531"/>
@@ -11388,19 +11006,6 @@
                   </a:txBody>
                   <a:tcPr/>
                 </a:tc>
-                <a:tc>
-                  <a:txBody>
-                    <a:bodyPr/>
-                    <a:lstStyle/>
-                    <a:p>
-                      <a:pPr algn="ctr"/>
-                      <a:endParaRPr lang="en-US" b="0" i="0" dirty="0">
-                        <a:latin typeface="Bernina Sans" pitchFamily="2" charset="77"/>
-                      </a:endParaRPr>
-                    </a:p>
-                  </a:txBody>
-                  <a:tcPr/>
-                </a:tc>
                 <a:extLst>
                   <a:ext uri="{0D108BD9-81ED-4DB2-BD59-A6C34878D82A}">
                     <a16:rowId xmlns:a16="http://schemas.microsoft.com/office/drawing/2014/main" val="3095766134"/>
@@ -11582,19 +11187,6 @@
                   </a:txBody>
                   <a:tcPr/>
                 </a:tc>
-                <a:tc>
-                  <a:txBody>
-                    <a:bodyPr/>
-                    <a:lstStyle/>
-                    <a:p>
-                      <a:pPr algn="ctr"/>
-                      <a:endParaRPr lang="en-US" b="0" i="0" dirty="0">
-                        <a:latin typeface="Bernina Sans" pitchFamily="2" charset="77"/>
-                      </a:endParaRPr>
-                    </a:p>
-                  </a:txBody>
-                  <a:tcPr/>
-                </a:tc>
                 <a:extLst>
                   <a:ext uri="{0D108BD9-81ED-4DB2-BD59-A6C34878D82A}">
                     <a16:rowId xmlns:a16="http://schemas.microsoft.com/office/drawing/2014/main" val="448366033"/>
@@ -11737,20 +11329,23 @@
                     <a:bodyPr/>
                     <a:lstStyle/>
                     <a:p>
-                      <a:pPr algn="ctr"/>
-                      <a:endParaRPr lang="en-US" b="0" i="0" dirty="0">
-                        <a:latin typeface="Bernina Sans" pitchFamily="2" charset="77"/>
-                      </a:endParaRPr>
-                    </a:p>
-                  </a:txBody>
-                  <a:tcPr/>
-                </a:tc>
-                <a:tc>
-                  <a:txBody>
-                    <a:bodyPr/>
-                    <a:lstStyle/>
-                    <a:p>
-                      <a:pPr algn="ctr"/>
+                      <a:pPr marL="0" marR="0" lvl="0" indent="0" algn="ctr" defTabSz="914400" rtl="0" eaLnBrk="1" fontAlgn="auto" latinLnBrk="0" hangingPunct="1">
+                        <a:lnSpc>
+                          <a:spcPct val="100000"/>
+                        </a:lnSpc>
+                        <a:spcBef>
+                          <a:spcPts val="0"/>
+                        </a:spcBef>
+                        <a:spcAft>
+                          <a:spcPts val="0"/>
+                        </a:spcAft>
+                        <a:buClrTx/>
+                        <a:buSzTx/>
+                        <a:buFontTx/>
+                        <a:buNone/>
+                        <a:tabLst/>
+                        <a:defRPr/>
+                      </a:pPr>
                       <a:r>
                         <a:rPr lang="en-US" b="0" i="0" dirty="0">
                           <a:latin typeface="Bernina Sans" pitchFamily="2" charset="77"/>
@@ -11931,19 +11526,6 @@
                   </a:txBody>
                   <a:tcPr/>
                 </a:tc>
-                <a:tc>
-                  <a:txBody>
-                    <a:bodyPr/>
-                    <a:lstStyle/>
-                    <a:p>
-                      <a:pPr algn="ctr"/>
-                      <a:endParaRPr lang="en-US" b="0" i="0" dirty="0">
-                        <a:latin typeface="Bernina Sans" pitchFamily="2" charset="77"/>
-                      </a:endParaRPr>
-                    </a:p>
-                  </a:txBody>
-                  <a:tcPr/>
-                </a:tc>
                 <a:extLst>
                   <a:ext uri="{0D108BD9-81ED-4DB2-BD59-A6C34878D82A}">
                     <a16:rowId xmlns:a16="http://schemas.microsoft.com/office/drawing/2014/main" val="1519507141"/>
@@ -12128,19 +11710,6 @@
                   </a:txBody>
                   <a:tcPr/>
                 </a:tc>
-                <a:tc>
-                  <a:txBody>
-                    <a:bodyPr/>
-                    <a:lstStyle/>
-                    <a:p>
-                      <a:pPr algn="ctr"/>
-                      <a:endParaRPr lang="en-US" b="0" i="0" dirty="0">
-                        <a:latin typeface="Bernina Sans" pitchFamily="2" charset="77"/>
-                      </a:endParaRPr>
-                    </a:p>
-                  </a:txBody>
-                  <a:tcPr/>
-                </a:tc>
                 <a:extLst>
                   <a:ext uri="{0D108BD9-81ED-4DB2-BD59-A6C34878D82A}">
                     <a16:rowId xmlns:a16="http://schemas.microsoft.com/office/drawing/2014/main" val="2386086734"/>
@@ -12305,19 +11874,6 @@
                         </a:rPr>
                         <a:t>12</a:t>
                       </a:r>
-                    </a:p>
-                  </a:txBody>
-                  <a:tcPr/>
-                </a:tc>
-                <a:tc>
-                  <a:txBody>
-                    <a:bodyPr/>
-                    <a:lstStyle/>
-                    <a:p>
-                      <a:pPr algn="ctr"/>
-                      <a:endParaRPr lang="en-US" b="0" i="0" dirty="0">
-                        <a:latin typeface="Bernina Sans" pitchFamily="2" charset="77"/>
-                      </a:endParaRPr>
                     </a:p>
                   </a:txBody>
                   <a:tcPr/>
@@ -12455,14 +12011,14 @@
             <p:ph idx="1"/>
             <p:extLst>
               <p:ext uri="{D42A27DB-BD31-4B8C-83A1-F6EECF244321}">
-                <p14:modId xmlns:p14="http://schemas.microsoft.com/office/powerpoint/2010/main" val="3853414347"/>
+                <p14:modId xmlns:p14="http://schemas.microsoft.com/office/powerpoint/2010/main" val="2286337531"/>
               </p:ext>
             </p:extLst>
           </p:nvPr>
         </p:nvGraphicFramePr>
         <p:xfrm>
           <a:off x="523714" y="683260"/>
-          <a:ext cx="11144571" cy="5491480"/>
+          <a:ext cx="10072691" cy="5491480"/>
         </p:xfrm>
         <a:graphic>
           <a:graphicData uri="http://schemas.openxmlformats.org/drawingml/2006/table">
@@ -12541,13 +12097,6 @@
                     </a:ext>
                   </a:extLst>
                 </a:gridCol>
-                <a:gridCol w="1071880">
-                  <a:extLst>
-                    <a:ext uri="{9D8B030D-6E8A-4147-A177-3AD203B41FA5}">
-                      <a16:colId xmlns:a16="http://schemas.microsoft.com/office/drawing/2014/main" val="2677258066"/>
-                    </a:ext>
-                  </a:extLst>
-                </a:gridCol>
               </a:tblGrid>
               <a:tr h="370840">
                 <a:tc>
@@ -12693,22 +12242,6 @@
                           <a:latin typeface="Bernina Sans" pitchFamily="2" charset="77"/>
                         </a:rPr>
                         <a:t>Week 7</a:t>
-                      </a:r>
-                    </a:p>
-                  </a:txBody>
-                  <a:tcPr/>
-                </a:tc>
-                <a:tc>
-                  <a:txBody>
-                    <a:bodyPr/>
-                    <a:lstStyle/>
-                    <a:p>
-                      <a:pPr algn="ctr"/>
-                      <a:r>
-                        <a:rPr lang="en-US" b="0" i="0" dirty="0">
-                          <a:latin typeface="Bernina Sans" pitchFamily="2" charset="77"/>
-                        </a:rPr>
-                        <a:t>Week 8</a:t>
                       </a:r>
                     </a:p>
                   </a:txBody>
@@ -12898,19 +12431,6 @@
                   </a:txBody>
                   <a:tcPr/>
                 </a:tc>
-                <a:tc>
-                  <a:txBody>
-                    <a:bodyPr/>
-                    <a:lstStyle/>
-                    <a:p>
-                      <a:pPr algn="ctr"/>
-                      <a:endParaRPr lang="en-US" b="0" i="0" dirty="0">
-                        <a:latin typeface="Bernina Sans" pitchFamily="2" charset="77"/>
-                      </a:endParaRPr>
-                    </a:p>
-                  </a:txBody>
-                  <a:tcPr/>
-                </a:tc>
                 <a:extLst>
                   <a:ext uri="{0D108BD9-81ED-4DB2-BD59-A6C34878D82A}">
                     <a16:rowId xmlns:a16="http://schemas.microsoft.com/office/drawing/2014/main" val="913485868"/>
@@ -13081,19 +12601,6 @@
                   </a:txBody>
                   <a:tcPr/>
                 </a:tc>
-                <a:tc>
-                  <a:txBody>
-                    <a:bodyPr/>
-                    <a:lstStyle/>
-                    <a:p>
-                      <a:pPr algn="ctr"/>
-                      <a:endParaRPr lang="en-US" b="0" i="0" dirty="0">
-                        <a:latin typeface="Bernina Sans" pitchFamily="2" charset="77"/>
-                      </a:endParaRPr>
-                    </a:p>
-                  </a:txBody>
-                  <a:tcPr/>
-                </a:tc>
                 <a:extLst>
                   <a:ext uri="{0D108BD9-81ED-4DB2-BD59-A6C34878D82A}">
                     <a16:rowId xmlns:a16="http://schemas.microsoft.com/office/drawing/2014/main" val="188316531"/>
@@ -13278,19 +12785,6 @@
                   </a:txBody>
                   <a:tcPr/>
                 </a:tc>
-                <a:tc>
-                  <a:txBody>
-                    <a:bodyPr/>
-                    <a:lstStyle/>
-                    <a:p>
-                      <a:pPr algn="ctr"/>
-                      <a:endParaRPr lang="en-US" b="0" i="0" dirty="0">
-                        <a:latin typeface="Bernina Sans" pitchFamily="2" charset="77"/>
-                      </a:endParaRPr>
-                    </a:p>
-                  </a:txBody>
-                  <a:tcPr/>
-                </a:tc>
                 <a:extLst>
                   <a:ext uri="{0D108BD9-81ED-4DB2-BD59-A6C34878D82A}">
                     <a16:rowId xmlns:a16="http://schemas.microsoft.com/office/drawing/2014/main" val="3095766134"/>
@@ -13472,19 +12966,6 @@
                   </a:txBody>
                   <a:tcPr/>
                 </a:tc>
-                <a:tc>
-                  <a:txBody>
-                    <a:bodyPr/>
-                    <a:lstStyle/>
-                    <a:p>
-                      <a:pPr algn="ctr"/>
-                      <a:endParaRPr lang="en-US" b="0" i="0" dirty="0">
-                        <a:latin typeface="Bernina Sans" pitchFamily="2" charset="77"/>
-                      </a:endParaRPr>
-                    </a:p>
-                  </a:txBody>
-                  <a:tcPr/>
-                </a:tc>
                 <a:extLst>
                   <a:ext uri="{0D108BD9-81ED-4DB2-BD59-A6C34878D82A}">
                     <a16:rowId xmlns:a16="http://schemas.microsoft.com/office/drawing/2014/main" val="448366033"/>
@@ -13627,20 +13108,23 @@
                     <a:bodyPr/>
                     <a:lstStyle/>
                     <a:p>
-                      <a:pPr algn="ctr"/>
-                      <a:endParaRPr lang="en-US" b="0" i="0" dirty="0">
-                        <a:latin typeface="Bernina Sans" pitchFamily="2" charset="77"/>
-                      </a:endParaRPr>
-                    </a:p>
-                  </a:txBody>
-                  <a:tcPr/>
-                </a:tc>
-                <a:tc>
-                  <a:txBody>
-                    <a:bodyPr/>
-                    <a:lstStyle/>
-                    <a:p>
-                      <a:pPr algn="ctr"/>
+                      <a:pPr marL="0" marR="0" lvl="0" indent="0" algn="ctr" defTabSz="914400" rtl="0" eaLnBrk="1" fontAlgn="auto" latinLnBrk="0" hangingPunct="1">
+                        <a:lnSpc>
+                          <a:spcPct val="100000"/>
+                        </a:lnSpc>
+                        <a:spcBef>
+                          <a:spcPts val="0"/>
+                        </a:spcBef>
+                        <a:spcAft>
+                          <a:spcPts val="0"/>
+                        </a:spcAft>
+                        <a:buClrTx/>
+                        <a:buSzTx/>
+                        <a:buFontTx/>
+                        <a:buNone/>
+                        <a:tabLst/>
+                        <a:defRPr/>
+                      </a:pPr>
                       <a:r>
                         <a:rPr lang="en-US" b="0" i="0" dirty="0">
                           <a:latin typeface="Bernina Sans" pitchFamily="2" charset="77"/>
@@ -13816,19 +13300,6 @@
                   </a:txBody>
                   <a:tcPr/>
                 </a:tc>
-                <a:tc>
-                  <a:txBody>
-                    <a:bodyPr/>
-                    <a:lstStyle/>
-                    <a:p>
-                      <a:pPr algn="ctr"/>
-                      <a:endParaRPr lang="en-US" b="0" i="0" dirty="0">
-                        <a:latin typeface="Bernina Sans" pitchFamily="2" charset="77"/>
-                      </a:endParaRPr>
-                    </a:p>
-                  </a:txBody>
-                  <a:tcPr/>
-                </a:tc>
                 <a:extLst>
                   <a:ext uri="{0D108BD9-81ED-4DB2-BD59-A6C34878D82A}">
                     <a16:rowId xmlns:a16="http://schemas.microsoft.com/office/drawing/2014/main" val="1519507141"/>
@@ -14013,19 +13484,6 @@
                   </a:txBody>
                   <a:tcPr/>
                 </a:tc>
-                <a:tc>
-                  <a:txBody>
-                    <a:bodyPr/>
-                    <a:lstStyle/>
-                    <a:p>
-                      <a:pPr algn="ctr"/>
-                      <a:endParaRPr lang="en-US" b="0" i="0" dirty="0">
-                        <a:latin typeface="Bernina Sans" pitchFamily="2" charset="77"/>
-                      </a:endParaRPr>
-                    </a:p>
-                  </a:txBody>
-                  <a:tcPr/>
-                </a:tc>
                 <a:extLst>
                   <a:ext uri="{0D108BD9-81ED-4DB2-BD59-A6C34878D82A}">
                     <a16:rowId xmlns:a16="http://schemas.microsoft.com/office/drawing/2014/main" val="2386086734"/>
@@ -14190,19 +13648,6 @@
                         </a:rPr>
                         <a:t>12</a:t>
                       </a:r>
-                    </a:p>
-                  </a:txBody>
-                  <a:tcPr/>
-                </a:tc>
-                <a:tc>
-                  <a:txBody>
-                    <a:bodyPr/>
-                    <a:lstStyle/>
-                    <a:p>
-                      <a:pPr algn="ctr"/>
-                      <a:endParaRPr lang="en-US" b="0" i="0" dirty="0">
-                        <a:latin typeface="Bernina Sans" pitchFamily="2" charset="77"/>
-                      </a:endParaRPr>
                     </a:p>
                   </a:txBody>
                   <a:tcPr/>
@@ -14338,11 +13783,16 @@
           </p:cNvGraphicFramePr>
           <p:nvPr>
             <p:ph idx="1"/>
+            <p:extLst>
+              <p:ext uri="{D42A27DB-BD31-4B8C-83A1-F6EECF244321}">
+                <p14:modId xmlns:p14="http://schemas.microsoft.com/office/powerpoint/2010/main" val="3956571005"/>
+              </p:ext>
+            </p:extLst>
           </p:nvPr>
         </p:nvGraphicFramePr>
         <p:xfrm>
           <a:off x="523714" y="683260"/>
-          <a:ext cx="11144571" cy="5491480"/>
+          <a:ext cx="10072691" cy="5491480"/>
         </p:xfrm>
         <a:graphic>
           <a:graphicData uri="http://schemas.openxmlformats.org/drawingml/2006/table">
@@ -14421,13 +13871,6 @@
                     </a:ext>
                   </a:extLst>
                 </a:gridCol>
-                <a:gridCol w="1071880">
-                  <a:extLst>
-                    <a:ext uri="{9D8B030D-6E8A-4147-A177-3AD203B41FA5}">
-                      <a16:colId xmlns:a16="http://schemas.microsoft.com/office/drawing/2014/main" val="2677258066"/>
-                    </a:ext>
-                  </a:extLst>
-                </a:gridCol>
               </a:tblGrid>
               <a:tr h="370840">
                 <a:tc>
@@ -14573,22 +14016,6 @@
                           <a:latin typeface="Bernina Sans" pitchFamily="2" charset="77"/>
                         </a:rPr>
                         <a:t>Week 7</a:t>
-                      </a:r>
-                    </a:p>
-                  </a:txBody>
-                  <a:tcPr/>
-                </a:tc>
-                <a:tc>
-                  <a:txBody>
-                    <a:bodyPr/>
-                    <a:lstStyle/>
-                    <a:p>
-                      <a:pPr algn="ctr"/>
-                      <a:r>
-                        <a:rPr lang="en-US" b="0" i="0" dirty="0">
-                          <a:latin typeface="Bernina Sans" pitchFamily="2" charset="77"/>
-                        </a:rPr>
-                        <a:t>Week 8</a:t>
                       </a:r>
                     </a:p>
                   </a:txBody>
@@ -14773,19 +14200,6 @@
                   </a:txBody>
                   <a:tcPr/>
                 </a:tc>
-                <a:tc>
-                  <a:txBody>
-                    <a:bodyPr/>
-                    <a:lstStyle/>
-                    <a:p>
-                      <a:pPr algn="ctr"/>
-                      <a:endParaRPr lang="en-US" b="0" i="0" dirty="0">
-                        <a:latin typeface="Bernina Sans" pitchFamily="2" charset="77"/>
-                      </a:endParaRPr>
-                    </a:p>
-                  </a:txBody>
-                  <a:tcPr/>
-                </a:tc>
                 <a:extLst>
                   <a:ext uri="{0D108BD9-81ED-4DB2-BD59-A6C34878D82A}">
                     <a16:rowId xmlns:a16="http://schemas.microsoft.com/office/drawing/2014/main" val="913485868"/>
@@ -14951,19 +14365,6 @@
                   </a:txBody>
                   <a:tcPr/>
                 </a:tc>
-                <a:tc>
-                  <a:txBody>
-                    <a:bodyPr/>
-                    <a:lstStyle/>
-                    <a:p>
-                      <a:pPr algn="ctr"/>
-                      <a:endParaRPr lang="en-US" b="0" i="0" dirty="0">
-                        <a:latin typeface="Bernina Sans" pitchFamily="2" charset="77"/>
-                      </a:endParaRPr>
-                    </a:p>
-                  </a:txBody>
-                  <a:tcPr/>
-                </a:tc>
                 <a:extLst>
                   <a:ext uri="{0D108BD9-81ED-4DB2-BD59-A6C34878D82A}">
                     <a16:rowId xmlns:a16="http://schemas.microsoft.com/office/drawing/2014/main" val="188316531"/>
@@ -15143,19 +14544,6 @@
                   </a:txBody>
                   <a:tcPr/>
                 </a:tc>
-                <a:tc>
-                  <a:txBody>
-                    <a:bodyPr/>
-                    <a:lstStyle/>
-                    <a:p>
-                      <a:pPr algn="ctr"/>
-                      <a:endParaRPr lang="en-US" b="0" i="0" dirty="0">
-                        <a:latin typeface="Bernina Sans" pitchFamily="2" charset="77"/>
-                      </a:endParaRPr>
-                    </a:p>
-                  </a:txBody>
-                  <a:tcPr/>
-                </a:tc>
                 <a:extLst>
                   <a:ext uri="{0D108BD9-81ED-4DB2-BD59-A6C34878D82A}">
                     <a16:rowId xmlns:a16="http://schemas.microsoft.com/office/drawing/2014/main" val="3095766134"/>
@@ -15332,19 +14720,6 @@
                   </a:txBody>
                   <a:tcPr/>
                 </a:tc>
-                <a:tc>
-                  <a:txBody>
-                    <a:bodyPr/>
-                    <a:lstStyle/>
-                    <a:p>
-                      <a:pPr algn="ctr"/>
-                      <a:endParaRPr lang="en-US" b="0" i="0" dirty="0">
-                        <a:latin typeface="Bernina Sans" pitchFamily="2" charset="77"/>
-                      </a:endParaRPr>
-                    </a:p>
-                  </a:txBody>
-                  <a:tcPr/>
-                </a:tc>
                 <a:extLst>
                   <a:ext uri="{0D108BD9-81ED-4DB2-BD59-A6C34878D82A}">
                     <a16:rowId xmlns:a16="http://schemas.microsoft.com/office/drawing/2014/main" val="448366033"/>
@@ -15487,20 +14862,23 @@
                     <a:bodyPr/>
                     <a:lstStyle/>
                     <a:p>
-                      <a:pPr algn="ctr"/>
-                      <a:endParaRPr lang="en-US" b="0" i="0" dirty="0">
-                        <a:latin typeface="Bernina Sans" pitchFamily="2" charset="77"/>
-                      </a:endParaRPr>
-                    </a:p>
-                  </a:txBody>
-                  <a:tcPr/>
-                </a:tc>
-                <a:tc>
-                  <a:txBody>
-                    <a:bodyPr/>
-                    <a:lstStyle/>
-                    <a:p>
-                      <a:pPr algn="ctr"/>
+                      <a:pPr marL="0" marR="0" lvl="0" indent="0" algn="ctr" defTabSz="914400" rtl="0" eaLnBrk="1" fontAlgn="auto" latinLnBrk="0" hangingPunct="1">
+                        <a:lnSpc>
+                          <a:spcPct val="100000"/>
+                        </a:lnSpc>
+                        <a:spcBef>
+                          <a:spcPts val="0"/>
+                        </a:spcBef>
+                        <a:spcAft>
+                          <a:spcPts val="0"/>
+                        </a:spcAft>
+                        <a:buClrTx/>
+                        <a:buSzTx/>
+                        <a:buFontTx/>
+                        <a:buNone/>
+                        <a:tabLst/>
+                        <a:defRPr/>
+                      </a:pPr>
                       <a:r>
                         <a:rPr lang="en-US" b="0" i="0" dirty="0">
                           <a:latin typeface="Bernina Sans" pitchFamily="2" charset="77"/>
@@ -15676,19 +15054,6 @@
                   </a:txBody>
                   <a:tcPr/>
                 </a:tc>
-                <a:tc>
-                  <a:txBody>
-                    <a:bodyPr/>
-                    <a:lstStyle/>
-                    <a:p>
-                      <a:pPr algn="ctr"/>
-                      <a:endParaRPr lang="en-US" b="0" i="0" dirty="0">
-                        <a:latin typeface="Bernina Sans" pitchFamily="2" charset="77"/>
-                      </a:endParaRPr>
-                    </a:p>
-                  </a:txBody>
-                  <a:tcPr/>
-                </a:tc>
                 <a:extLst>
                   <a:ext uri="{0D108BD9-81ED-4DB2-BD59-A6C34878D82A}">
                     <a16:rowId xmlns:a16="http://schemas.microsoft.com/office/drawing/2014/main" val="1519507141"/>
@@ -15868,19 +15233,6 @@
                   </a:txBody>
                   <a:tcPr/>
                 </a:tc>
-                <a:tc>
-                  <a:txBody>
-                    <a:bodyPr/>
-                    <a:lstStyle/>
-                    <a:p>
-                      <a:pPr algn="ctr"/>
-                      <a:endParaRPr lang="en-US" b="0" i="0" dirty="0">
-                        <a:latin typeface="Bernina Sans" pitchFamily="2" charset="77"/>
-                      </a:endParaRPr>
-                    </a:p>
-                  </a:txBody>
-                  <a:tcPr/>
-                </a:tc>
                 <a:extLst>
                   <a:ext uri="{0D108BD9-81ED-4DB2-BD59-A6C34878D82A}">
                     <a16:rowId xmlns:a16="http://schemas.microsoft.com/office/drawing/2014/main" val="2386086734"/>
@@ -16040,19 +15392,6 @@
                         </a:rPr>
                         <a:t>12</a:t>
                       </a:r>
-                    </a:p>
-                  </a:txBody>
-                  <a:tcPr/>
-                </a:tc>
-                <a:tc>
-                  <a:txBody>
-                    <a:bodyPr/>
-                    <a:lstStyle/>
-                    <a:p>
-                      <a:pPr algn="ctr"/>
-                      <a:endParaRPr lang="en-US" b="0" i="0" dirty="0">
-                        <a:latin typeface="Bernina Sans" pitchFamily="2" charset="77"/>
-                      </a:endParaRPr>
                     </a:p>
                   </a:txBody>
                   <a:tcPr/>
@@ -21301,14 +20640,14 @@
             <p:ph idx="1"/>
             <p:extLst>
               <p:ext uri="{D42A27DB-BD31-4B8C-83A1-F6EECF244321}">
-                <p14:modId xmlns:p14="http://schemas.microsoft.com/office/powerpoint/2010/main" val="2022068267"/>
+                <p14:modId xmlns:p14="http://schemas.microsoft.com/office/powerpoint/2010/main" val="2906783808"/>
               </p:ext>
             </p:extLst>
           </p:nvPr>
         </p:nvGraphicFramePr>
         <p:xfrm>
           <a:off x="523714" y="683260"/>
-          <a:ext cx="11144571" cy="5491480"/>
+          <a:ext cx="10072691" cy="5491480"/>
         </p:xfrm>
         <a:graphic>
           <a:graphicData uri="http://schemas.openxmlformats.org/drawingml/2006/table">
@@ -21387,13 +20726,6 @@
                     </a:ext>
                   </a:extLst>
                 </a:gridCol>
-                <a:gridCol w="1071880">
-                  <a:extLst>
-                    <a:ext uri="{9D8B030D-6E8A-4147-A177-3AD203B41FA5}">
-                      <a16:colId xmlns:a16="http://schemas.microsoft.com/office/drawing/2014/main" val="2677258066"/>
-                    </a:ext>
-                  </a:extLst>
-                </a:gridCol>
               </a:tblGrid>
               <a:tr h="370840">
                 <a:tc>
@@ -21539,22 +20871,6 @@
                           <a:latin typeface="Bernina Sans" pitchFamily="2" charset="77"/>
                         </a:rPr>
                         <a:t>Week 7</a:t>
-                      </a:r>
-                    </a:p>
-                  </a:txBody>
-                  <a:tcPr/>
-                </a:tc>
-                <a:tc>
-                  <a:txBody>
-                    <a:bodyPr/>
-                    <a:lstStyle/>
-                    <a:p>
-                      <a:pPr algn="ctr"/>
-                      <a:r>
-                        <a:rPr lang="en-US" b="0" i="0" dirty="0">
-                          <a:latin typeface="Bernina Sans" pitchFamily="2" charset="77"/>
-                        </a:rPr>
-                        <a:t>Week 8</a:t>
                       </a:r>
                     </a:p>
                   </a:txBody>
@@ -21739,19 +21055,6 @@
                   </a:txBody>
                   <a:tcPr/>
                 </a:tc>
-                <a:tc>
-                  <a:txBody>
-                    <a:bodyPr/>
-                    <a:lstStyle/>
-                    <a:p>
-                      <a:pPr algn="ctr"/>
-                      <a:endParaRPr lang="en-US" b="0" i="0" dirty="0">
-                        <a:latin typeface="Bernina Sans" pitchFamily="2" charset="77"/>
-                      </a:endParaRPr>
-                    </a:p>
-                  </a:txBody>
-                  <a:tcPr/>
-                </a:tc>
                 <a:extLst>
                   <a:ext uri="{0D108BD9-81ED-4DB2-BD59-A6C34878D82A}">
                     <a16:rowId xmlns:a16="http://schemas.microsoft.com/office/drawing/2014/main" val="913485868"/>
@@ -21917,19 +21220,6 @@
                   </a:txBody>
                   <a:tcPr/>
                 </a:tc>
-                <a:tc>
-                  <a:txBody>
-                    <a:bodyPr/>
-                    <a:lstStyle/>
-                    <a:p>
-                      <a:pPr algn="ctr"/>
-                      <a:endParaRPr lang="en-US" b="0" i="0" dirty="0">
-                        <a:latin typeface="Bernina Sans" pitchFamily="2" charset="77"/>
-                      </a:endParaRPr>
-                    </a:p>
-                  </a:txBody>
-                  <a:tcPr/>
-                </a:tc>
                 <a:extLst>
                   <a:ext uri="{0D108BD9-81ED-4DB2-BD59-A6C34878D82A}">
                     <a16:rowId xmlns:a16="http://schemas.microsoft.com/office/drawing/2014/main" val="188316531"/>
@@ -22109,19 +21399,6 @@
                   </a:txBody>
                   <a:tcPr/>
                 </a:tc>
-                <a:tc>
-                  <a:txBody>
-                    <a:bodyPr/>
-                    <a:lstStyle/>
-                    <a:p>
-                      <a:pPr algn="ctr"/>
-                      <a:endParaRPr lang="en-US" b="0" i="0" dirty="0">
-                        <a:latin typeface="Bernina Sans" pitchFamily="2" charset="77"/>
-                      </a:endParaRPr>
-                    </a:p>
-                  </a:txBody>
-                  <a:tcPr/>
-                </a:tc>
                 <a:extLst>
                   <a:ext uri="{0D108BD9-81ED-4DB2-BD59-A6C34878D82A}">
                     <a16:rowId xmlns:a16="http://schemas.microsoft.com/office/drawing/2014/main" val="3095766134"/>
@@ -22298,19 +21575,6 @@
                   </a:txBody>
                   <a:tcPr/>
                 </a:tc>
-                <a:tc>
-                  <a:txBody>
-                    <a:bodyPr/>
-                    <a:lstStyle/>
-                    <a:p>
-                      <a:pPr algn="ctr"/>
-                      <a:endParaRPr lang="en-US" b="0" i="0" dirty="0">
-                        <a:latin typeface="Bernina Sans" pitchFamily="2" charset="77"/>
-                      </a:endParaRPr>
-                    </a:p>
-                  </a:txBody>
-                  <a:tcPr/>
-                </a:tc>
                 <a:extLst>
                   <a:ext uri="{0D108BD9-81ED-4DB2-BD59-A6C34878D82A}">
                     <a16:rowId xmlns:a16="http://schemas.microsoft.com/office/drawing/2014/main" val="448366033"/>
@@ -22453,20 +21717,23 @@
                     <a:bodyPr/>
                     <a:lstStyle/>
                     <a:p>
-                      <a:pPr algn="ctr"/>
-                      <a:endParaRPr lang="en-US" b="0" i="0" dirty="0">
-                        <a:latin typeface="Bernina Sans" pitchFamily="2" charset="77"/>
-                      </a:endParaRPr>
-                    </a:p>
-                  </a:txBody>
-                  <a:tcPr/>
-                </a:tc>
-                <a:tc>
-                  <a:txBody>
-                    <a:bodyPr/>
-                    <a:lstStyle/>
-                    <a:p>
-                      <a:pPr algn="ctr"/>
+                      <a:pPr marL="0" marR="0" lvl="0" indent="0" algn="ctr" defTabSz="914400" rtl="0" eaLnBrk="1" fontAlgn="auto" latinLnBrk="0" hangingPunct="1">
+                        <a:lnSpc>
+                          <a:spcPct val="100000"/>
+                        </a:lnSpc>
+                        <a:spcBef>
+                          <a:spcPts val="0"/>
+                        </a:spcBef>
+                        <a:spcAft>
+                          <a:spcPts val="0"/>
+                        </a:spcAft>
+                        <a:buClrTx/>
+                        <a:buSzTx/>
+                        <a:buFontTx/>
+                        <a:buNone/>
+                        <a:tabLst/>
+                        <a:defRPr/>
+                      </a:pPr>
                       <a:r>
                         <a:rPr lang="en-US" b="0" i="0" dirty="0">
                           <a:latin typeface="Bernina Sans" pitchFamily="2" charset="77"/>
@@ -22642,19 +21909,6 @@
                   </a:txBody>
                   <a:tcPr/>
                 </a:tc>
-                <a:tc>
-                  <a:txBody>
-                    <a:bodyPr/>
-                    <a:lstStyle/>
-                    <a:p>
-                      <a:pPr algn="ctr"/>
-                      <a:endParaRPr lang="en-US" b="0" i="0" dirty="0">
-                        <a:latin typeface="Bernina Sans" pitchFamily="2" charset="77"/>
-                      </a:endParaRPr>
-                    </a:p>
-                  </a:txBody>
-                  <a:tcPr/>
-                </a:tc>
                 <a:extLst>
                   <a:ext uri="{0D108BD9-81ED-4DB2-BD59-A6C34878D82A}">
                     <a16:rowId xmlns:a16="http://schemas.microsoft.com/office/drawing/2014/main" val="1519507141"/>
@@ -22834,19 +22088,6 @@
                   </a:txBody>
                   <a:tcPr/>
                 </a:tc>
-                <a:tc>
-                  <a:txBody>
-                    <a:bodyPr/>
-                    <a:lstStyle/>
-                    <a:p>
-                      <a:pPr algn="ctr"/>
-                      <a:endParaRPr lang="en-US" b="0" i="0" dirty="0">
-                        <a:latin typeface="Bernina Sans" pitchFamily="2" charset="77"/>
-                      </a:endParaRPr>
-                    </a:p>
-                  </a:txBody>
-                  <a:tcPr/>
-                </a:tc>
                 <a:extLst>
                   <a:ext uri="{0D108BD9-81ED-4DB2-BD59-A6C34878D82A}">
                     <a16:rowId xmlns:a16="http://schemas.microsoft.com/office/drawing/2014/main" val="2386086734"/>
@@ -23006,19 +22247,6 @@
                         </a:rPr>
                         <a:t>12</a:t>
                       </a:r>
-                    </a:p>
-                  </a:txBody>
-                  <a:tcPr/>
-                </a:tc>
-                <a:tc>
-                  <a:txBody>
-                    <a:bodyPr/>
-                    <a:lstStyle/>
-                    <a:p>
-                      <a:pPr algn="ctr"/>
-                      <a:endParaRPr lang="en-US" b="0" i="0" dirty="0">
-                        <a:latin typeface="Bernina Sans" pitchFamily="2" charset="77"/>
-                      </a:endParaRPr>
                     </a:p>
                   </a:txBody>
                   <a:tcPr/>
@@ -23098,14 +22326,14 @@
             <p:ph idx="1"/>
             <p:extLst>
               <p:ext uri="{D42A27DB-BD31-4B8C-83A1-F6EECF244321}">
-                <p14:modId xmlns:p14="http://schemas.microsoft.com/office/powerpoint/2010/main" val="1650318829"/>
+                <p14:modId xmlns:p14="http://schemas.microsoft.com/office/powerpoint/2010/main" val="1016237297"/>
               </p:ext>
             </p:extLst>
           </p:nvPr>
         </p:nvGraphicFramePr>
         <p:xfrm>
           <a:off x="523714" y="683260"/>
-          <a:ext cx="11144571" cy="5491480"/>
+          <a:ext cx="10072691" cy="5491480"/>
         </p:xfrm>
         <a:graphic>
           <a:graphicData uri="http://schemas.openxmlformats.org/drawingml/2006/table">
@@ -23184,13 +22412,6 @@
                     </a:ext>
                   </a:extLst>
                 </a:gridCol>
-                <a:gridCol w="1071880">
-                  <a:extLst>
-                    <a:ext uri="{9D8B030D-6E8A-4147-A177-3AD203B41FA5}">
-                      <a16:colId xmlns:a16="http://schemas.microsoft.com/office/drawing/2014/main" val="2677258066"/>
-                    </a:ext>
-                  </a:extLst>
-                </a:gridCol>
               </a:tblGrid>
               <a:tr h="370840">
                 <a:tc>
@@ -23336,22 +22557,6 @@
                           <a:latin typeface="Bernina Sans" pitchFamily="2" charset="77"/>
                         </a:rPr>
                         <a:t>Week 7</a:t>
-                      </a:r>
-                    </a:p>
-                  </a:txBody>
-                  <a:tcPr/>
-                </a:tc>
-                <a:tc>
-                  <a:txBody>
-                    <a:bodyPr/>
-                    <a:lstStyle/>
-                    <a:p>
-                      <a:pPr algn="ctr"/>
-                      <a:r>
-                        <a:rPr lang="en-US" b="0" i="0" dirty="0">
-                          <a:latin typeface="Bernina Sans" pitchFamily="2" charset="77"/>
-                        </a:rPr>
-                        <a:t>Week 8</a:t>
                       </a:r>
                     </a:p>
                   </a:txBody>
@@ -23539,19 +22744,6 @@
                   </a:txBody>
                   <a:tcPr/>
                 </a:tc>
-                <a:tc>
-                  <a:txBody>
-                    <a:bodyPr/>
-                    <a:lstStyle/>
-                    <a:p>
-                      <a:pPr algn="ctr"/>
-                      <a:endParaRPr lang="en-US" b="0" i="0" dirty="0">
-                        <a:latin typeface="Bernina Sans" pitchFamily="2" charset="77"/>
-                      </a:endParaRPr>
-                    </a:p>
-                  </a:txBody>
-                  <a:tcPr/>
-                </a:tc>
                 <a:extLst>
                   <a:ext uri="{0D108BD9-81ED-4DB2-BD59-A6C34878D82A}">
                     <a16:rowId xmlns:a16="http://schemas.microsoft.com/office/drawing/2014/main" val="913485868"/>
@@ -23722,19 +22914,6 @@
                   </a:txBody>
                   <a:tcPr/>
                 </a:tc>
-                <a:tc>
-                  <a:txBody>
-                    <a:bodyPr/>
-                    <a:lstStyle/>
-                    <a:p>
-                      <a:pPr algn="ctr"/>
-                      <a:endParaRPr lang="en-US" b="0" i="0" dirty="0">
-                        <a:latin typeface="Bernina Sans" pitchFamily="2" charset="77"/>
-                      </a:endParaRPr>
-                    </a:p>
-                  </a:txBody>
-                  <a:tcPr/>
-                </a:tc>
                 <a:extLst>
                   <a:ext uri="{0D108BD9-81ED-4DB2-BD59-A6C34878D82A}">
                     <a16:rowId xmlns:a16="http://schemas.microsoft.com/office/drawing/2014/main" val="188316531"/>
@@ -23919,19 +23098,6 @@
                   </a:txBody>
                   <a:tcPr/>
                 </a:tc>
-                <a:tc>
-                  <a:txBody>
-                    <a:bodyPr/>
-                    <a:lstStyle/>
-                    <a:p>
-                      <a:pPr algn="ctr"/>
-                      <a:endParaRPr lang="en-US" b="0" i="0" dirty="0">
-                        <a:latin typeface="Bernina Sans" pitchFamily="2" charset="77"/>
-                      </a:endParaRPr>
-                    </a:p>
-                  </a:txBody>
-                  <a:tcPr/>
-                </a:tc>
                 <a:extLst>
                   <a:ext uri="{0D108BD9-81ED-4DB2-BD59-A6C34878D82A}">
                     <a16:rowId xmlns:a16="http://schemas.microsoft.com/office/drawing/2014/main" val="3095766134"/>
@@ -24113,19 +23279,6 @@
                   </a:txBody>
                   <a:tcPr/>
                 </a:tc>
-                <a:tc>
-                  <a:txBody>
-                    <a:bodyPr/>
-                    <a:lstStyle/>
-                    <a:p>
-                      <a:pPr algn="ctr"/>
-                      <a:endParaRPr lang="en-US" b="0" i="0" dirty="0">
-                        <a:latin typeface="Bernina Sans" pitchFamily="2" charset="77"/>
-                      </a:endParaRPr>
-                    </a:p>
-                  </a:txBody>
-                  <a:tcPr/>
-                </a:tc>
                 <a:extLst>
                   <a:ext uri="{0D108BD9-81ED-4DB2-BD59-A6C34878D82A}">
                     <a16:rowId xmlns:a16="http://schemas.microsoft.com/office/drawing/2014/main" val="448366033"/>
@@ -24268,20 +23421,23 @@
                     <a:bodyPr/>
                     <a:lstStyle/>
                     <a:p>
-                      <a:pPr algn="ctr"/>
-                      <a:endParaRPr lang="en-US" b="0" i="0" dirty="0">
-                        <a:latin typeface="Bernina Sans" pitchFamily="2" charset="77"/>
-                      </a:endParaRPr>
-                    </a:p>
-                  </a:txBody>
-                  <a:tcPr/>
-                </a:tc>
-                <a:tc>
-                  <a:txBody>
-                    <a:bodyPr/>
-                    <a:lstStyle/>
-                    <a:p>
-                      <a:pPr algn="ctr"/>
+                      <a:pPr marL="0" marR="0" lvl="0" indent="0" algn="ctr" defTabSz="914400" rtl="0" eaLnBrk="1" fontAlgn="auto" latinLnBrk="0" hangingPunct="1">
+                        <a:lnSpc>
+                          <a:spcPct val="100000"/>
+                        </a:lnSpc>
+                        <a:spcBef>
+                          <a:spcPts val="0"/>
+                        </a:spcBef>
+                        <a:spcAft>
+                          <a:spcPts val="0"/>
+                        </a:spcAft>
+                        <a:buClrTx/>
+                        <a:buSzTx/>
+                        <a:buFontTx/>
+                        <a:buNone/>
+                        <a:tabLst/>
+                        <a:defRPr/>
+                      </a:pPr>
                       <a:r>
                         <a:rPr lang="en-US" b="0" i="0" dirty="0">
                           <a:latin typeface="Bernina Sans" pitchFamily="2" charset="77"/>
@@ -24457,19 +23613,6 @@
                   </a:txBody>
                   <a:tcPr/>
                 </a:tc>
-                <a:tc>
-                  <a:txBody>
-                    <a:bodyPr/>
-                    <a:lstStyle/>
-                    <a:p>
-                      <a:pPr algn="ctr"/>
-                      <a:endParaRPr lang="en-US" b="0" i="0" dirty="0">
-                        <a:latin typeface="Bernina Sans" pitchFamily="2" charset="77"/>
-                      </a:endParaRPr>
-                    </a:p>
-                  </a:txBody>
-                  <a:tcPr/>
-                </a:tc>
                 <a:extLst>
                   <a:ext uri="{0D108BD9-81ED-4DB2-BD59-A6C34878D82A}">
                     <a16:rowId xmlns:a16="http://schemas.microsoft.com/office/drawing/2014/main" val="1519507141"/>
@@ -24654,19 +23797,6 @@
                   </a:txBody>
                   <a:tcPr/>
                 </a:tc>
-                <a:tc>
-                  <a:txBody>
-                    <a:bodyPr/>
-                    <a:lstStyle/>
-                    <a:p>
-                      <a:pPr algn="ctr"/>
-                      <a:endParaRPr lang="en-US" b="0" i="0" dirty="0">
-                        <a:latin typeface="Bernina Sans" pitchFamily="2" charset="77"/>
-                      </a:endParaRPr>
-                    </a:p>
-                  </a:txBody>
-                  <a:tcPr/>
-                </a:tc>
                 <a:extLst>
                   <a:ext uri="{0D108BD9-81ED-4DB2-BD59-A6C34878D82A}">
                     <a16:rowId xmlns:a16="http://schemas.microsoft.com/office/drawing/2014/main" val="2386086734"/>
@@ -24826,19 +23956,6 @@
                         </a:rPr>
                         <a:t>12</a:t>
                       </a:r>
-                    </a:p>
-                  </a:txBody>
-                  <a:tcPr/>
-                </a:tc>
-                <a:tc>
-                  <a:txBody>
-                    <a:bodyPr/>
-                    <a:lstStyle/>
-                    <a:p>
-                      <a:pPr algn="ctr"/>
-                      <a:endParaRPr lang="en-US" b="0" i="0" dirty="0">
-                        <a:latin typeface="Bernina Sans" pitchFamily="2" charset="77"/>
-                      </a:endParaRPr>
                     </a:p>
                   </a:txBody>
                   <a:tcPr/>
